--- a/CA_IMR_v1.pptx
+++ b/CA_IMR_v1.pptx
@@ -201,7 +201,7 @@
             </a:lvl1pPr>
           </a:lstStyle>
           <a:p>
-            <a:endParaRPr lang="en-US"/>
+            <a:endParaRPr lang="en-US" dirty="0"/>
           </a:p>
         </p:txBody>
       </p:sp>
@@ -234,9 +234,9 @@
           <a:p>
             <a:fld id="{5291DC29-CC4B-42D8-BAA0-76D5CB47A18C}" type="datetimeFigureOut">
               <a:rPr lang="en-US" smtClean="0"/>
-              <a:t>4/9/2020</a:t>
+              <a:t>4/10/2020</a:t>
             </a:fld>
-            <a:endParaRPr lang="en-US"/>
+            <a:endParaRPr lang="en-US" dirty="0"/>
           </a:p>
         </p:txBody>
       </p:sp>
@@ -269,7 +269,7 @@
           <a:bodyPr vert="horz" lIns="91440" tIns="45720" rIns="91440" bIns="45720" rtlCol="0" anchor="ctr"/>
           <a:lstStyle/>
           <a:p>
-            <a:endParaRPr lang="en-US"/>
+            <a:endParaRPr lang="en-US" dirty="0"/>
           </a:p>
         </p:txBody>
       </p:sp>
@@ -359,7 +359,7 @@
             </a:lvl1pPr>
           </a:lstStyle>
           <a:p>
-            <a:endParaRPr lang="en-US"/>
+            <a:endParaRPr lang="en-US" dirty="0"/>
           </a:p>
         </p:txBody>
       </p:sp>
@@ -394,7 +394,7 @@
               <a:rPr lang="en-US" smtClean="0"/>
               <a:t>‹#›</a:t>
             </a:fld>
-            <a:endParaRPr lang="en-US"/>
+            <a:endParaRPr lang="en-US" dirty="0"/>
           </a:p>
         </p:txBody>
       </p:sp>
@@ -571,7 +571,7 @@
               <a:rPr lang="en-US" smtClean="0"/>
               <a:t>3</a:t>
             </a:fld>
-            <a:endParaRPr lang="en-US"/>
+            <a:endParaRPr lang="en-US" dirty="0"/>
           </a:p>
         </p:txBody>
       </p:sp>
@@ -658,7 +658,7 @@
               <a:rPr lang="en-US" smtClean="0"/>
               <a:t>4</a:t>
             </a:fld>
-            <a:endParaRPr lang="en-US"/>
+            <a:endParaRPr lang="en-US" dirty="0"/>
           </a:p>
         </p:txBody>
       </p:sp>
@@ -745,7 +745,7 @@
               <a:rPr lang="en-US" smtClean="0"/>
               <a:t>5</a:t>
             </a:fld>
-            <a:endParaRPr lang="en-US"/>
+            <a:endParaRPr lang="en-US" dirty="0"/>
           </a:p>
         </p:txBody>
       </p:sp>
@@ -808,7 +808,7 @@
           <a:p>
             <a:r>
               <a:rPr lang="en-US" dirty="0"/>
-              <a:t>With ~98% level of confidence, the </a:t>
+              <a:t>With ~98% level of confidence, the claim can be made that a child’s “overturn rate” does NOT equal other patient’s</a:t>
             </a:r>
           </a:p>
         </p:txBody>
@@ -832,7 +832,7 @@
               <a:rPr lang="en-US" smtClean="0"/>
               <a:t>6</a:t>
             </a:fld>
-            <a:endParaRPr lang="en-US"/>
+            <a:endParaRPr lang="en-US" dirty="0"/>
           </a:p>
         </p:txBody>
       </p:sp>
@@ -904,7 +904,16 @@
           <a:p>
             <a:r>
               <a:rPr lang="en-US" dirty="0"/>
-              <a:t>Beta = False Negative Rate = probability of there is no difference</a:t>
+              <a:t>Beta = False Negative Rate = probability of claiming there is no difference in the “overturn rate” among age groups when in face THERE IS a difference in the overturn rate.</a:t>
+            </a:r>
+          </a:p>
+          <a:p>
+            <a:endParaRPr lang="en-US" dirty="0"/>
+          </a:p>
+          <a:p>
+            <a:r>
+              <a:rPr lang="en-US" dirty="0"/>
+              <a:t>Power – believe the power would increase by increasing a child’s sample size.</a:t>
             </a:r>
           </a:p>
         </p:txBody>
@@ -928,7 +937,7 @@
               <a:rPr lang="en-US" smtClean="0"/>
               <a:t>7</a:t>
             </a:fld>
-            <a:endParaRPr lang="en-US"/>
+            <a:endParaRPr lang="en-US" dirty="0"/>
           </a:p>
         </p:txBody>
       </p:sp>
@@ -1030,7 +1039,7 @@
               <a:rPr lang="en-US" smtClean="0"/>
               <a:t>8</a:t>
             </a:fld>
-            <a:endParaRPr lang="en-US"/>
+            <a:endParaRPr lang="en-US" dirty="0"/>
           </a:p>
         </p:txBody>
       </p:sp>
@@ -1125,9 +1134,9 @@
           <a:p>
             <a:fld id="{18DCCD61-643D-44A5-A450-3A42A50CBC1E}" type="datetimeFigureOut">
               <a:rPr lang="en-US" smtClean="0"/>
-              <a:t>4/9/2020</a:t>
+              <a:t>4/10/2020</a:t>
             </a:fld>
-            <a:endParaRPr lang="en-US"/>
+            <a:endParaRPr lang="en-US" dirty="0"/>
           </a:p>
         </p:txBody>
       </p:sp>
@@ -1146,7 +1155,7 @@
           <a:bodyPr/>
           <a:lstStyle/>
           <a:p>
-            <a:endParaRPr lang="en-US"/>
+            <a:endParaRPr lang="en-US" dirty="0"/>
           </a:p>
         </p:txBody>
       </p:sp>
@@ -1169,7 +1178,7 @@
               <a:rPr lang="en-US" smtClean="0"/>
               <a:t>‹#›</a:t>
             </a:fld>
-            <a:endParaRPr lang="en-US"/>
+            <a:endParaRPr lang="en-US" dirty="0"/>
           </a:p>
         </p:txBody>
       </p:sp>
@@ -1400,9 +1409,9 @@
           <a:p>
             <a:fld id="{18DCCD61-643D-44A5-A450-3A42A50CBC1E}" type="datetimeFigureOut">
               <a:rPr lang="en-US" smtClean="0"/>
-              <a:t>4/9/2020</a:t>
+              <a:t>4/10/2020</a:t>
             </a:fld>
-            <a:endParaRPr lang="en-US"/>
+            <a:endParaRPr lang="en-US" dirty="0"/>
           </a:p>
         </p:txBody>
       </p:sp>
@@ -1421,7 +1430,7 @@
           <a:bodyPr/>
           <a:lstStyle/>
           <a:p>
-            <a:endParaRPr lang="en-US"/>
+            <a:endParaRPr lang="en-US" dirty="0"/>
           </a:p>
         </p:txBody>
       </p:sp>
@@ -1444,7 +1453,7 @@
               <a:rPr lang="en-US" smtClean="0"/>
               <a:t>‹#›</a:t>
             </a:fld>
-            <a:endParaRPr lang="en-US"/>
+            <a:endParaRPr lang="en-US" dirty="0"/>
           </a:p>
         </p:txBody>
       </p:sp>
@@ -1566,7 +1575,7 @@
             </a:lvl9pPr>
           </a:lstStyle>
           <a:p>
-            <a:endParaRPr lang="en-US"/>
+            <a:endParaRPr lang="en-US" dirty="0"/>
           </a:p>
         </p:txBody>
       </p:sp>
@@ -1652,9 +1661,9 @@
           <a:p>
             <a:fld id="{18DCCD61-643D-44A5-A450-3A42A50CBC1E}" type="datetimeFigureOut">
               <a:rPr lang="en-US" smtClean="0"/>
-              <a:t>4/9/2020</a:t>
+              <a:t>4/10/2020</a:t>
             </a:fld>
-            <a:endParaRPr lang="en-US"/>
+            <a:endParaRPr lang="en-US" dirty="0"/>
           </a:p>
         </p:txBody>
       </p:sp>
@@ -1673,7 +1682,7 @@
           <a:bodyPr/>
           <a:lstStyle/>
           <a:p>
-            <a:endParaRPr lang="en-US"/>
+            <a:endParaRPr lang="en-US" dirty="0"/>
           </a:p>
         </p:txBody>
       </p:sp>
@@ -1696,7 +1705,7 @@
               <a:rPr lang="en-US" smtClean="0"/>
               <a:t>‹#›</a:t>
             </a:fld>
-            <a:endParaRPr lang="en-US"/>
+            <a:endParaRPr lang="en-US" dirty="0"/>
           </a:p>
         </p:txBody>
       </p:sp>
@@ -1820,9 +1829,9 @@
           <a:p>
             <a:fld id="{18DCCD61-643D-44A5-A450-3A42A50CBC1E}" type="datetimeFigureOut">
               <a:rPr lang="en-US" smtClean="0"/>
-              <a:t>4/9/2020</a:t>
+              <a:t>4/10/2020</a:t>
             </a:fld>
-            <a:endParaRPr lang="en-US"/>
+            <a:endParaRPr lang="en-US" dirty="0"/>
           </a:p>
         </p:txBody>
       </p:sp>
@@ -1841,7 +1850,7 @@
           <a:bodyPr/>
           <a:lstStyle/>
           <a:p>
-            <a:endParaRPr lang="en-US"/>
+            <a:endParaRPr lang="en-US" dirty="0"/>
           </a:p>
         </p:txBody>
       </p:sp>
@@ -1864,7 +1873,7 @@
               <a:rPr lang="en-US" smtClean="0"/>
               <a:t>‹#›</a:t>
             </a:fld>
-            <a:endParaRPr lang="en-US"/>
+            <a:endParaRPr lang="en-US" dirty="0"/>
           </a:p>
         </p:txBody>
       </p:sp>
@@ -1998,9 +2007,9 @@
           <a:p>
             <a:fld id="{18DCCD61-643D-44A5-A450-3A42A50CBC1E}" type="datetimeFigureOut">
               <a:rPr lang="en-US" smtClean="0"/>
-              <a:t>4/9/2020</a:t>
+              <a:t>4/10/2020</a:t>
             </a:fld>
-            <a:endParaRPr lang="en-US"/>
+            <a:endParaRPr lang="en-US" dirty="0"/>
           </a:p>
         </p:txBody>
       </p:sp>
@@ -2019,7 +2028,7 @@
           <a:bodyPr/>
           <a:lstStyle/>
           <a:p>
-            <a:endParaRPr lang="en-US"/>
+            <a:endParaRPr lang="en-US" dirty="0"/>
           </a:p>
         </p:txBody>
       </p:sp>
@@ -2042,7 +2051,7 @@
               <a:rPr lang="en-US" smtClean="0"/>
               <a:t>‹#›</a:t>
             </a:fld>
-            <a:endParaRPr lang="en-US"/>
+            <a:endParaRPr lang="en-US" dirty="0"/>
           </a:p>
         </p:txBody>
       </p:sp>
@@ -2580,9 +2589,9 @@
           <a:p>
             <a:fld id="{18DCCD61-643D-44A5-A450-3A42A50CBC1E}" type="datetimeFigureOut">
               <a:rPr lang="en-US" smtClean="0"/>
-              <a:t>4/9/2020</a:t>
+              <a:t>4/10/2020</a:t>
             </a:fld>
-            <a:endParaRPr lang="en-US"/>
+            <a:endParaRPr lang="en-US" dirty="0"/>
           </a:p>
         </p:txBody>
       </p:sp>
@@ -2601,7 +2610,7 @@
           <a:bodyPr/>
           <a:lstStyle/>
           <a:p>
-            <a:endParaRPr lang="en-US"/>
+            <a:endParaRPr lang="en-US" dirty="0"/>
           </a:p>
         </p:txBody>
       </p:sp>
@@ -2624,7 +2633,7 @@
               <a:rPr lang="en-US" smtClean="0"/>
               <a:t>‹#›</a:t>
             </a:fld>
-            <a:endParaRPr lang="en-US"/>
+            <a:endParaRPr lang="en-US" dirty="0"/>
           </a:p>
         </p:txBody>
       </p:sp>
@@ -2748,9 +2757,9 @@
           <a:p>
             <a:fld id="{18DCCD61-643D-44A5-A450-3A42A50CBC1E}" type="datetimeFigureOut">
               <a:rPr lang="en-US" smtClean="0"/>
-              <a:t>4/9/2020</a:t>
+              <a:t>4/10/2020</a:t>
             </a:fld>
-            <a:endParaRPr lang="en-US"/>
+            <a:endParaRPr lang="en-US" dirty="0"/>
           </a:p>
         </p:txBody>
       </p:sp>
@@ -2769,7 +2778,7 @@
           <a:bodyPr/>
           <a:lstStyle/>
           <a:p>
-            <a:endParaRPr lang="en-US"/>
+            <a:endParaRPr lang="en-US" dirty="0"/>
           </a:p>
         </p:txBody>
       </p:sp>
@@ -2792,7 +2801,7 @@
               <a:rPr lang="en-US" smtClean="0"/>
               <a:t>‹#›</a:t>
             </a:fld>
-            <a:endParaRPr lang="en-US"/>
+            <a:endParaRPr lang="en-US" dirty="0"/>
           </a:p>
         </p:txBody>
       </p:sp>
@@ -2993,9 +3002,9 @@
           <a:p>
             <a:fld id="{18DCCD61-643D-44A5-A450-3A42A50CBC1E}" type="datetimeFigureOut">
               <a:rPr lang="en-US" smtClean="0"/>
-              <a:t>4/9/2020</a:t>
+              <a:t>4/10/2020</a:t>
             </a:fld>
-            <a:endParaRPr lang="en-US"/>
+            <a:endParaRPr lang="en-US" dirty="0"/>
           </a:p>
         </p:txBody>
       </p:sp>
@@ -3014,7 +3023,7 @@
           <a:bodyPr/>
           <a:lstStyle/>
           <a:p>
-            <a:endParaRPr lang="en-US"/>
+            <a:endParaRPr lang="en-US" dirty="0"/>
           </a:p>
         </p:txBody>
       </p:sp>
@@ -3037,7 +3046,7 @@
               <a:rPr lang="en-US" smtClean="0"/>
               <a:t>‹#›</a:t>
             </a:fld>
-            <a:endParaRPr lang="en-US"/>
+            <a:endParaRPr lang="en-US" dirty="0"/>
           </a:p>
         </p:txBody>
       </p:sp>
@@ -3278,9 +3287,9 @@
           <a:p>
             <a:fld id="{18DCCD61-643D-44A5-A450-3A42A50CBC1E}" type="datetimeFigureOut">
               <a:rPr lang="en-US" smtClean="0"/>
-              <a:t>4/9/2020</a:t>
+              <a:t>4/10/2020</a:t>
             </a:fld>
-            <a:endParaRPr lang="en-US"/>
+            <a:endParaRPr lang="en-US" dirty="0"/>
           </a:p>
         </p:txBody>
       </p:sp>
@@ -3299,7 +3308,7 @@
           <a:bodyPr/>
           <a:lstStyle/>
           <a:p>
-            <a:endParaRPr lang="en-US"/>
+            <a:endParaRPr lang="en-US" dirty="0"/>
           </a:p>
         </p:txBody>
       </p:sp>
@@ -3322,7 +3331,7 @@
               <a:rPr lang="en-US" smtClean="0"/>
               <a:t>‹#›</a:t>
             </a:fld>
-            <a:endParaRPr lang="en-US"/>
+            <a:endParaRPr lang="en-US" dirty="0"/>
           </a:p>
         </p:txBody>
       </p:sp>
@@ -3697,9 +3706,9 @@
           <a:p>
             <a:fld id="{18DCCD61-643D-44A5-A450-3A42A50CBC1E}" type="datetimeFigureOut">
               <a:rPr lang="en-US" smtClean="0"/>
-              <a:t>4/9/2020</a:t>
+              <a:t>4/10/2020</a:t>
             </a:fld>
-            <a:endParaRPr lang="en-US"/>
+            <a:endParaRPr lang="en-US" dirty="0"/>
           </a:p>
         </p:txBody>
       </p:sp>
@@ -3718,7 +3727,7 @@
           <a:bodyPr/>
           <a:lstStyle/>
           <a:p>
-            <a:endParaRPr lang="en-US"/>
+            <a:endParaRPr lang="en-US" dirty="0"/>
           </a:p>
         </p:txBody>
       </p:sp>
@@ -3741,7 +3750,7 @@
               <a:rPr lang="en-US" smtClean="0"/>
               <a:t>‹#›</a:t>
             </a:fld>
-            <a:endParaRPr lang="en-US"/>
+            <a:endParaRPr lang="en-US" dirty="0"/>
           </a:p>
         </p:txBody>
       </p:sp>
@@ -3814,9 +3823,9 @@
           <a:p>
             <a:fld id="{18DCCD61-643D-44A5-A450-3A42A50CBC1E}" type="datetimeFigureOut">
               <a:rPr lang="en-US" smtClean="0"/>
-              <a:t>4/9/2020</a:t>
+              <a:t>4/10/2020</a:t>
             </a:fld>
-            <a:endParaRPr lang="en-US"/>
+            <a:endParaRPr lang="en-US" dirty="0"/>
           </a:p>
         </p:txBody>
       </p:sp>
@@ -3835,7 +3844,7 @@
           <a:bodyPr/>
           <a:lstStyle/>
           <a:p>
-            <a:endParaRPr lang="en-US"/>
+            <a:endParaRPr lang="en-US" dirty="0"/>
           </a:p>
         </p:txBody>
       </p:sp>
@@ -3858,7 +3867,7 @@
               <a:rPr lang="en-US" smtClean="0"/>
               <a:t>‹#›</a:t>
             </a:fld>
-            <a:endParaRPr lang="en-US"/>
+            <a:endParaRPr lang="en-US" dirty="0"/>
           </a:p>
         </p:txBody>
       </p:sp>
@@ -4316,9 +4325,9 @@
           <a:p>
             <a:fld id="{18DCCD61-643D-44A5-A450-3A42A50CBC1E}" type="datetimeFigureOut">
               <a:rPr lang="en-US" smtClean="0"/>
-              <a:t>4/9/2020</a:t>
+              <a:t>4/10/2020</a:t>
             </a:fld>
-            <a:endParaRPr lang="en-US"/>
+            <a:endParaRPr lang="en-US" dirty="0"/>
           </a:p>
         </p:txBody>
       </p:sp>
@@ -4355,7 +4364,7 @@
             </a:lvl1pPr>
           </a:lstStyle>
           <a:p>
-            <a:endParaRPr lang="en-US"/>
+            <a:endParaRPr lang="en-US" dirty="0"/>
           </a:p>
         </p:txBody>
       </p:sp>
@@ -4396,7 +4405,7 @@
               <a:rPr lang="en-US" smtClean="0"/>
               <a:t>‹#›</a:t>
             </a:fld>
-            <a:endParaRPr lang="en-US"/>
+            <a:endParaRPr lang="en-US" dirty="0"/>
           </a:p>
         </p:txBody>
       </p:sp>
@@ -4744,7 +4753,7 @@
                 <a:latin typeface="Arial" pitchFamily="34" charset="0"/>
                 <a:cs typeface="Arial" pitchFamily="34" charset="0"/>
               </a:rPr>
-              <a:t>elements other than facts</a:t>
+              <a:t>elements other than the facts</a:t>
             </a:r>
             <a:r>
               <a:rPr kumimoji="0" lang="en-US" altLang="ko-KR" sz="1200" b="1" dirty="0">
@@ -4958,8 +4967,8 @@
         </p:nvSpPr>
         <p:spPr>
           <a:xfrm>
-            <a:off x="2195736" y="1747418"/>
-            <a:ext cx="6563072" cy="3096344"/>
+            <a:off x="1979712" y="1772816"/>
+            <a:ext cx="6840760" cy="3096344"/>
           </a:xfrm>
         </p:spPr>
         <p:txBody>
@@ -4972,7 +4981,7 @@
                 <a:latin typeface="Arial" pitchFamily="34" charset="0"/>
                 <a:cs typeface="Arial" pitchFamily="34" charset="0"/>
               </a:rPr>
-              <a:t>What impacts an arbitrator’s decision in overturning or upholding an insurer’s denial of coverage for a patient’s medical treatment or health service?</a:t>
+              <a:t>Is there a systemic bias in whether an insurer’s denial of coverage for a patient’s medical treatment or health service is overturned or upheld?</a:t>
             </a:r>
           </a:p>
         </p:txBody>
@@ -5256,7 +5265,7 @@
         </p:nvSpPr>
         <p:spPr>
           <a:xfrm>
-            <a:off x="2056892" y="1844825"/>
+            <a:off x="2086483" y="1904868"/>
             <a:ext cx="6696744" cy="1728192"/>
           </a:xfrm>
           <a:prstGeom prst="rect">
@@ -5405,47 +5414,47 @@
             </a:lvl9pPr>
           </a:lstStyle>
           <a:p>
-            <a:pPr marL="182880" indent="-182880">
-              <a:buFont typeface="Arial" panose="020B0604020202020204" pitchFamily="34" charset="0"/>
-              <a:buChar char="•"/>
-            </a:pPr>
-            <a:r>
-              <a:rPr lang="en-US" sz="1800" dirty="0"/>
-              <a:t>California Department of Managed Healthcare (DMHC)</a:t>
-            </a:r>
-          </a:p>
-          <a:p>
-            <a:pPr marL="182880" indent="-182880">
-              <a:buFont typeface="Arial" panose="020B0604020202020204" pitchFamily="34" charset="0"/>
-              <a:buChar char="•"/>
-            </a:pPr>
-            <a:r>
-              <a:rPr lang="en-US" sz="1800" dirty="0"/>
-              <a:t>Outcomes of independent reviews of patient denial of coverage for medical treatments and health services.</a:t>
-            </a:r>
-          </a:p>
-          <a:p>
             <a:pPr marL="182880" indent="-182880" latinLnBrk="0">
               <a:buFont typeface="Arial" panose="020B0604020202020204" pitchFamily="34" charset="0"/>
               <a:buChar char="•"/>
             </a:pPr>
             <a:r>
               <a:rPr lang="en-US" sz="1800" dirty="0"/>
-              <a:t>&gt; 28k reviews</a:t>
-            </a:r>
-          </a:p>
-          <a:p>
-            <a:pPr marL="182880" indent="-182880">
+              <a:t>California Department of Managed Healthcare (DMHC)</a:t>
+            </a:r>
+          </a:p>
+          <a:p>
+            <a:pPr marL="182880" indent="-182880" latinLnBrk="0">
               <a:buFont typeface="Arial" panose="020B0604020202020204" pitchFamily="34" charset="0"/>
               <a:buChar char="•"/>
             </a:pPr>
             <a:r>
               <a:rPr lang="en-US" sz="1800" dirty="0"/>
+              <a:t>Outcomes of independent reviews of patient denial of coverage for medical treatments and health services.</a:t>
+            </a:r>
+          </a:p>
+          <a:p>
+            <a:pPr marL="182880" indent="-182880" latinLnBrk="0">
+              <a:buFont typeface="Arial" panose="020B0604020202020204" pitchFamily="34" charset="0"/>
+              <a:buChar char="•"/>
+            </a:pPr>
+            <a:r>
+              <a:rPr lang="en-US" sz="1800" dirty="0"/>
+              <a:t>&gt; 28k reviews</a:t>
+            </a:r>
+          </a:p>
+          <a:p>
+            <a:pPr marL="182880" indent="-182880" latinLnBrk="0">
+              <a:buFont typeface="Arial" panose="020B0604020202020204" pitchFamily="34" charset="0"/>
+              <a:buChar char="•"/>
+            </a:pPr>
+            <a:r>
+              <a:rPr lang="en-US" sz="1800" dirty="0"/>
               <a:t>Diagnoses, treatments, and patient profiles</a:t>
             </a:r>
           </a:p>
           <a:p>
-            <a:pPr marL="182880" indent="-182880">
+            <a:pPr marL="182880" indent="-182880" latinLnBrk="0">
               <a:buFont typeface="Arial" panose="020B0604020202020204" pitchFamily="34" charset="0"/>
               <a:buChar char="•"/>
             </a:pPr>
@@ -5757,8 +5766,8 @@
         </p:blipFill>
         <p:spPr>
           <a:xfrm>
-            <a:off x="714374" y="1628775"/>
-            <a:ext cx="7715249" cy="3600450"/>
+            <a:off x="395536" y="1682224"/>
+            <a:ext cx="8178050" cy="3816424"/>
           </a:xfrm>
         </p:spPr>
       </p:pic>
@@ -5778,8 +5787,8 @@
         </p:nvCxnSpPr>
         <p:spPr>
           <a:xfrm flipV="1">
-            <a:off x="4571999" y="3861048"/>
-            <a:ext cx="792089" cy="1656184"/>
+            <a:off x="4484561" y="4149081"/>
+            <a:ext cx="807519" cy="1737483"/>
           </a:xfrm>
           <a:prstGeom prst="straightConnector1">
             <a:avLst/>
@@ -5823,22 +5832,51 @@
         </p:nvSpPr>
         <p:spPr>
           <a:xfrm>
-            <a:off x="3579669" y="5517232"/>
-            <a:ext cx="1984660" cy="523220"/>
+            <a:off x="3677094" y="5732676"/>
+            <a:ext cx="1614986" cy="523220"/>
           </a:xfrm>
           <a:prstGeom prst="rect">
             <a:avLst/>
           </a:prstGeom>
-          <a:noFill/>
+          <a:solidFill>
+            <a:schemeClr val="accent5">
+              <a:lumMod val="75000"/>
+            </a:schemeClr>
+          </a:solidFill>
+          <a:ln>
+            <a:solidFill>
+              <a:schemeClr val="accent1"/>
+            </a:solidFill>
+          </a:ln>
         </p:spPr>
+        <p:style>
+          <a:lnRef idx="1">
+            <a:schemeClr val="accent1"/>
+          </a:lnRef>
+          <a:fillRef idx="2">
+            <a:schemeClr val="accent1"/>
+          </a:fillRef>
+          <a:effectRef idx="1">
+            <a:schemeClr val="accent1"/>
+          </a:effectRef>
+          <a:fontRef idx="minor">
+            <a:schemeClr val="dk1"/>
+          </a:fontRef>
+        </p:style>
         <p:txBody>
           <a:bodyPr wrap="square" rtlCol="0">
             <a:spAutoFit/>
           </a:bodyPr>
           <a:lstStyle/>
           <a:p>
+            <a:pPr algn="ctr"/>
             <a:r>
               <a:rPr lang="en-US" sz="1400" b="1" dirty="0">
+                <a:solidFill>
+                  <a:schemeClr val="bg1">
+                    <a:lumMod val="95000"/>
+                  </a:schemeClr>
+                </a:solidFill>
                 <a:latin typeface="Arial" panose="020B0604020202020204" pitchFamily="34" charset="0"/>
                 <a:cs typeface="Arial" panose="020B0604020202020204" pitchFamily="34" charset="0"/>
               </a:rPr>
@@ -5846,8 +5884,14 @@
             </a:r>
           </a:p>
           <a:p>
+            <a:pPr algn="ctr"/>
             <a:r>
               <a:rPr lang="en-US" sz="1400" b="1" dirty="0">
+                <a:solidFill>
+                  <a:schemeClr val="bg1">
+                    <a:lumMod val="95000"/>
+                  </a:schemeClr>
+                </a:solidFill>
                 <a:latin typeface="Arial" panose="020B0604020202020204" pitchFamily="34" charset="0"/>
                 <a:cs typeface="Arial" panose="020B0604020202020204" pitchFamily="34" charset="0"/>
               </a:rPr>
@@ -5918,12 +5962,16 @@
         <p:spPr>
           <a:xfrm>
             <a:off x="6315974" y="5517232"/>
-            <a:ext cx="1280362" cy="830997"/>
+            <a:ext cx="2000442" cy="523220"/>
           </a:xfrm>
           <a:prstGeom prst="rect">
             <a:avLst/>
           </a:prstGeom>
-          <a:noFill/>
+          <a:solidFill>
+            <a:schemeClr val="accent5">
+              <a:lumMod val="75000"/>
+            </a:schemeClr>
+          </a:solidFill>
         </p:spPr>
         <p:txBody>
           <a:bodyPr wrap="square" rtlCol="0">
@@ -5931,12 +5979,18 @@
           </a:bodyPr>
           <a:lstStyle/>
           <a:p>
-            <a:r>
-              <a:rPr lang="en-US" sz="1600" b="1" dirty="0">
+            <a:pPr algn="ctr" latinLnBrk="0"/>
+            <a:r>
+              <a:rPr lang="en-US" sz="1400" b="1" dirty="0">
+                <a:solidFill>
+                  <a:schemeClr val="bg1">
+                    <a:lumMod val="95000"/>
+                  </a:schemeClr>
+                </a:solidFill>
                 <a:latin typeface="Arial" panose="020B0604020202020204" pitchFamily="34" charset="0"/>
                 <a:cs typeface="Arial" panose="020B0604020202020204" pitchFamily="34" charset="0"/>
               </a:rPr>
-              <a:t>↓ in referral refunds to insurers.  </a:t>
+              <a:t>↓ in federal refunds to insurers.  </a:t>
             </a:r>
           </a:p>
         </p:txBody>
@@ -6001,8 +6055,8 @@
         </p:blipFill>
         <p:spPr>
           <a:xfrm>
-            <a:off x="827584" y="1916832"/>
-            <a:ext cx="7200900" cy="3600450"/>
+            <a:off x="611560" y="1844824"/>
+            <a:ext cx="7920880" cy="3960440"/>
           </a:xfrm>
         </p:spPr>
       </p:pic>
@@ -6043,8 +6097,8 @@
         </p:nvSpPr>
         <p:spPr>
           <a:xfrm>
-            <a:off x="971600" y="4149080"/>
-            <a:ext cx="1479626" cy="1512168"/>
+            <a:off x="827584" y="4293096"/>
+            <a:ext cx="1584176" cy="1584176"/>
           </a:xfrm>
           <a:prstGeom prst="ellipse">
             <a:avLst/>
@@ -6080,7 +6134,7 @@
           <a:lstStyle/>
           <a:p>
             <a:pPr algn="ctr"/>
-            <a:endParaRPr lang="en-US"/>
+            <a:endParaRPr lang="en-US" dirty="0"/>
           </a:p>
         </p:txBody>
       </p:sp>
@@ -6314,8 +6368,8 @@
         </p:nvSpPr>
         <p:spPr>
           <a:xfrm>
-            <a:off x="510709" y="1296699"/>
-            <a:ext cx="8291264" cy="1069514"/>
+            <a:off x="309106" y="1296699"/>
+            <a:ext cx="8525787" cy="1069514"/>
           </a:xfrm>
         </p:spPr>
         <p:txBody>
@@ -6337,7 +6391,7 @@
             </a:r>
             <a:r>
               <a:rPr lang="en-US" sz="1400" dirty="0"/>
-              <a:t>: Child’s expected overturn rate = Expected overturn rate of patients who are 11 years and older</a:t>
+              <a:t>: Child’s expected “overturn rate” = Expected “overturn rate” of patients who are 11 years and older</a:t>
             </a:r>
           </a:p>
           <a:p>
@@ -6352,7 +6406,7 @@
             </a:r>
             <a:r>
               <a:rPr lang="en-US" sz="1400" dirty="0"/>
-              <a:t>: Child’s expected overturn rate ≥ Expected overturn rate of patients who are 11 years and older</a:t>
+              <a:t>: Child’s expected “overturn rate” ≥ Expected “overturn rate” of patients who are 11 years and older</a:t>
             </a:r>
             <a:endParaRPr lang="en-US" sz="1800" baseline="-25000" dirty="0"/>
           </a:p>
@@ -6406,7 +6460,7 @@
           <a:lstStyle/>
           <a:p>
             <a:pPr algn="ctr"/>
-            <a:endParaRPr lang="en-US"/>
+            <a:endParaRPr lang="en-US" dirty="0"/>
           </a:p>
         </p:txBody>
       </p:sp>
@@ -6534,7 +6588,7 @@
         </p:nvSpPr>
         <p:spPr>
           <a:xfrm>
-            <a:off x="534380" y="6381328"/>
+            <a:off x="309106" y="6525156"/>
             <a:ext cx="8075240" cy="246221"/>
           </a:xfrm>
           <a:prstGeom prst="rect">
@@ -6881,8 +6935,8 @@
         </p:nvSpPr>
         <p:spPr>
           <a:xfrm>
-            <a:off x="6588224" y="2174801"/>
-            <a:ext cx="1656184" cy="707886"/>
+            <a:off x="6516216" y="2132856"/>
+            <a:ext cx="2088232" cy="707886"/>
           </a:xfrm>
           <a:prstGeom prst="rect">
             <a:avLst/>
@@ -6915,6 +6969,14 @@
           <a:p>
             <a:pPr algn="ctr" latinLnBrk="0"/>
             <a:r>
+              <a:rPr lang="en-US" sz="2000" dirty="0">
+                <a:solidFill>
+                  <a:schemeClr val="bg1"/>
+                </a:solidFill>
+              </a:rPr>
+              <a:t>FPR (</a:t>
+            </a:r>
+            <a:r>
               <a:rPr lang="el-GR" sz="2000" dirty="0">
                 <a:solidFill>
                   <a:schemeClr val="bg1"/>
@@ -6928,11 +6990,19 @@
                   <a:schemeClr val="bg1"/>
                 </a:solidFill>
               </a:rPr>
-              <a:t> = 0.025</a:t>
+              <a:t>) = 0.025</a:t>
             </a:r>
           </a:p>
           <a:p>
             <a:pPr algn="ctr"/>
+            <a:r>
+              <a:rPr lang="en-US" sz="2000" dirty="0">
+                <a:solidFill>
+                  <a:schemeClr val="bg1"/>
+                </a:solidFill>
+              </a:rPr>
+              <a:t>FNR (</a:t>
+            </a:r>
             <a:r>
               <a:rPr lang="el-GR" sz="2000" dirty="0">
                 <a:solidFill>
@@ -6947,7 +7017,7 @@
                   <a:schemeClr val="bg1"/>
                 </a:solidFill>
               </a:rPr>
-              <a:t> = 0.358</a:t>
+              <a:t>) = 0.358</a:t>
             </a:r>
           </a:p>
         </p:txBody>
